--- a/Reports/IMMD/Literature Review3.pptx
+++ b/Reports/IMMD/Literature Review3.pptx
@@ -11,7 +11,6 @@
     <p:sldId id="259" r:id="rId5"/>
     <p:sldId id="260" r:id="rId6"/>
     <p:sldId id="261" r:id="rId7"/>
-    <p:sldId id="262" r:id="rId8"/>
   </p:sldIdLst>
   <p:sldSz cx="12192000" cy="6858000"/>
   <p:notesSz cx="6858000" cy="9144000"/>
@@ -265,7 +264,7 @@
           <a:p>
             <a:fld id="{CE814DEB-4DBC-4128-A10F-D3471F28AEC6}" type="datetimeFigureOut">
               <a:rPr lang="en-US" smtClean="0"/>
-              <a:t>4/21/2020</a:t>
+              <a:t>4/28/2020</a:t>
             </a:fld>
             <a:endParaRPr lang="en-US"/>
           </a:p>
@@ -463,7 +462,7 @@
           <a:p>
             <a:fld id="{CE814DEB-4DBC-4128-A10F-D3471F28AEC6}" type="datetimeFigureOut">
               <a:rPr lang="en-US" smtClean="0"/>
-              <a:t>4/21/2020</a:t>
+              <a:t>4/28/2020</a:t>
             </a:fld>
             <a:endParaRPr lang="en-US"/>
           </a:p>
@@ -671,7 +670,7 @@
           <a:p>
             <a:fld id="{CE814DEB-4DBC-4128-A10F-D3471F28AEC6}" type="datetimeFigureOut">
               <a:rPr lang="en-US" smtClean="0"/>
-              <a:t>4/21/2020</a:t>
+              <a:t>4/28/2020</a:t>
             </a:fld>
             <a:endParaRPr lang="en-US"/>
           </a:p>
@@ -869,7 +868,7 @@
           <a:p>
             <a:fld id="{CE814DEB-4DBC-4128-A10F-D3471F28AEC6}" type="datetimeFigureOut">
               <a:rPr lang="en-US" smtClean="0"/>
-              <a:t>4/21/2020</a:t>
+              <a:t>4/28/2020</a:t>
             </a:fld>
             <a:endParaRPr lang="en-US"/>
           </a:p>
@@ -1144,7 +1143,7 @@
           <a:p>
             <a:fld id="{CE814DEB-4DBC-4128-A10F-D3471F28AEC6}" type="datetimeFigureOut">
               <a:rPr lang="en-US" smtClean="0"/>
-              <a:t>4/21/2020</a:t>
+              <a:t>4/28/2020</a:t>
             </a:fld>
             <a:endParaRPr lang="en-US"/>
           </a:p>
@@ -1409,7 +1408,7 @@
           <a:p>
             <a:fld id="{CE814DEB-4DBC-4128-A10F-D3471F28AEC6}" type="datetimeFigureOut">
               <a:rPr lang="en-US" smtClean="0"/>
-              <a:t>4/21/2020</a:t>
+              <a:t>4/28/2020</a:t>
             </a:fld>
             <a:endParaRPr lang="en-US"/>
           </a:p>
@@ -1821,7 +1820,7 @@
           <a:p>
             <a:fld id="{CE814DEB-4DBC-4128-A10F-D3471F28AEC6}" type="datetimeFigureOut">
               <a:rPr lang="en-US" smtClean="0"/>
-              <a:t>4/21/2020</a:t>
+              <a:t>4/28/2020</a:t>
             </a:fld>
             <a:endParaRPr lang="en-US"/>
           </a:p>
@@ -1962,7 +1961,7 @@
           <a:p>
             <a:fld id="{CE814DEB-4DBC-4128-A10F-D3471F28AEC6}" type="datetimeFigureOut">
               <a:rPr lang="en-US" smtClean="0"/>
-              <a:t>4/21/2020</a:t>
+              <a:t>4/28/2020</a:t>
             </a:fld>
             <a:endParaRPr lang="en-US"/>
           </a:p>
@@ -2075,7 +2074,7 @@
           <a:p>
             <a:fld id="{CE814DEB-4DBC-4128-A10F-D3471F28AEC6}" type="datetimeFigureOut">
               <a:rPr lang="en-US" smtClean="0"/>
-              <a:t>4/21/2020</a:t>
+              <a:t>4/28/2020</a:t>
             </a:fld>
             <a:endParaRPr lang="en-US"/>
           </a:p>
@@ -2386,7 +2385,7 @@
           <a:p>
             <a:fld id="{CE814DEB-4DBC-4128-A10F-D3471F28AEC6}" type="datetimeFigureOut">
               <a:rPr lang="en-US" smtClean="0"/>
-              <a:t>4/21/2020</a:t>
+              <a:t>4/28/2020</a:t>
             </a:fld>
             <a:endParaRPr lang="en-US"/>
           </a:p>
@@ -2674,7 +2673,7 @@
           <a:p>
             <a:fld id="{CE814DEB-4DBC-4128-A10F-D3471F28AEC6}" type="datetimeFigureOut">
               <a:rPr lang="en-US" smtClean="0"/>
-              <a:t>4/21/2020</a:t>
+              <a:t>4/28/2020</a:t>
             </a:fld>
             <a:endParaRPr lang="en-US"/>
           </a:p>
@@ -2915,7 +2914,7 @@
           <a:p>
             <a:fld id="{CE814DEB-4DBC-4128-A10F-D3471F28AEC6}" type="datetimeFigureOut">
               <a:rPr lang="en-US" smtClean="0"/>
-              <a:t>4/21/2020</a:t>
+              <a:t>4/28/2020</a:t>
             </a:fld>
             <a:endParaRPr lang="en-US"/>
           </a:p>
@@ -4399,7 +4398,7 @@
         </p:nvSpPr>
         <p:spPr>
           <a:xfrm>
-            <a:off x="6915955" y="1867437"/>
+            <a:off x="6581105" y="1867437"/>
             <a:ext cx="1004552" cy="476518"/>
           </a:xfrm>
           <a:prstGeom prst="rightArrow">
@@ -4447,7 +4446,7 @@
             </p:nvSpPr>
             <p:spPr>
               <a:xfrm>
-                <a:off x="8271457" y="1828697"/>
+                <a:off x="8193062" y="1828697"/>
                 <a:ext cx="2803396" cy="553998"/>
               </a:xfrm>
               <a:prstGeom prst="rect">
@@ -4657,7 +4656,7 @@
             </p:nvSpPr>
             <p:spPr>
               <a:xfrm>
-                <a:off x="8271457" y="1828697"/>
+                <a:off x="8193062" y="1828697"/>
                 <a:ext cx="2803396" cy="553998"/>
               </a:xfrm>
               <a:prstGeom prst="rect">
@@ -4666,7 +4665,7 @@
               <a:blipFill>
                 <a:blip r:embed="rId3"/>
                 <a:stretch>
-                  <a:fillRect l="-3043" t="-14286" r="-4783" b="-24176"/>
+                  <a:fillRect l="-2826" t="-14286" r="-5000" b="-24176"/>
                 </a:stretch>
               </a:blipFill>
             </p:spPr>
@@ -4699,7 +4698,7 @@
         </p:nvSpPr>
         <p:spPr>
           <a:xfrm>
-            <a:off x="7920507" y="2556456"/>
+            <a:off x="8139448" y="2646608"/>
             <a:ext cx="3348507" cy="1200329"/>
           </a:xfrm>
           <a:prstGeom prst="rect">
@@ -5142,36 +5141,6 @@
     <p:extLst>
       <p:ext uri="{BB962C8B-B14F-4D97-AF65-F5344CB8AC3E}">
         <p14:creationId xmlns:p14="http://schemas.microsoft.com/office/powerpoint/2010/main" val="1052719268"/>
-      </p:ext>
-    </p:extLst>
-  </p:cSld>
-  <p:clrMapOvr>
-    <a:masterClrMapping/>
-  </p:clrMapOvr>
-</p:sld>
-</file>
-
-<file path=ppt/slides/slide7.xml><?xml version="1.0" encoding="utf-8"?>
-<p:sld xmlns:a="http://schemas.openxmlformats.org/drawingml/2006/main" xmlns:r="http://schemas.openxmlformats.org/officeDocument/2006/relationships" xmlns:p="http://schemas.openxmlformats.org/presentationml/2006/main">
-  <p:cSld>
-    <p:spTree>
-      <p:nvGrpSpPr>
-        <p:cNvPr id="1" name=""/>
-        <p:cNvGrpSpPr/>
-        <p:nvPr/>
-      </p:nvGrpSpPr>
-      <p:grpSpPr>
-        <a:xfrm>
-          <a:off x="0" y="0"/>
-          <a:ext cx="0" cy="0"/>
-          <a:chOff x="0" y="0"/>
-          <a:chExt cx="0" cy="0"/>
-        </a:xfrm>
-      </p:grpSpPr>
-    </p:spTree>
-    <p:extLst>
-      <p:ext uri="{BB962C8B-B14F-4D97-AF65-F5344CB8AC3E}">
-        <p14:creationId xmlns:p14="http://schemas.microsoft.com/office/powerpoint/2010/main" val="614831095"/>
       </p:ext>
     </p:extLst>
   </p:cSld>
